--- a/UVM TLM Introduction.pptx
+++ b/UVM TLM Introduction.pptx
@@ -5,7 +5,7 @@
     <p:sldMasterId id="2147483696" r:id="rId1"/>
   </p:sldMasterIdLst>
   <p:notesMasterIdLst>
-    <p:notesMasterId r:id="rId23"/>
+    <p:notesMasterId r:id="rId25"/>
   </p:notesMasterIdLst>
   <p:sldIdLst>
     <p:sldId id="256" r:id="rId2"/>
@@ -17,18 +17,20 @@
     <p:sldId id="303" r:id="rId8"/>
     <p:sldId id="295" r:id="rId9"/>
     <p:sldId id="296" r:id="rId10"/>
-    <p:sldId id="305" r:id="rId11"/>
-    <p:sldId id="298" r:id="rId12"/>
-    <p:sldId id="297" r:id="rId13"/>
-    <p:sldId id="299" r:id="rId14"/>
-    <p:sldId id="302" r:id="rId15"/>
-    <p:sldId id="300" r:id="rId16"/>
-    <p:sldId id="301" r:id="rId17"/>
-    <p:sldId id="311" r:id="rId18"/>
-    <p:sldId id="312" r:id="rId19"/>
-    <p:sldId id="313" r:id="rId20"/>
-    <p:sldId id="288" r:id="rId21"/>
-    <p:sldId id="287" r:id="rId22"/>
+    <p:sldId id="314" r:id="rId11"/>
+    <p:sldId id="315" r:id="rId12"/>
+    <p:sldId id="305" r:id="rId13"/>
+    <p:sldId id="298" r:id="rId14"/>
+    <p:sldId id="297" r:id="rId15"/>
+    <p:sldId id="299" r:id="rId16"/>
+    <p:sldId id="302" r:id="rId17"/>
+    <p:sldId id="300" r:id="rId18"/>
+    <p:sldId id="301" r:id="rId19"/>
+    <p:sldId id="311" r:id="rId20"/>
+    <p:sldId id="312" r:id="rId21"/>
+    <p:sldId id="313" r:id="rId22"/>
+    <p:sldId id="288" r:id="rId23"/>
+    <p:sldId id="287" r:id="rId24"/>
   </p:sldIdLst>
   <p:sldSz cx="9144000" cy="6858000" type="screen4x3"/>
   <p:notesSz cx="6858000" cy="9144000"/>
@@ -228,7 +230,7 @@
           <a:p>
             <a:fld id="{88F6225B-796D-41D8-9C9A-35855C549521}" type="datetimeFigureOut">
               <a:rPr lang="zh-TW" altLang="en-US" smtClean="0"/>
-              <a:t>2024/10/28</a:t>
+              <a:t>2024/10/29</a:t>
             </a:fld>
             <a:endParaRPr lang="zh-TW" altLang="en-US"/>
           </a:p>
@@ -672,7 +674,7 @@
           <a:p>
             <a:fld id="{81634873-5063-498D-BCBE-2739A18B1CC7}" type="slidenum">
               <a:rPr lang="zh-TW" altLang="en-US" smtClean="0"/>
-              <a:t>19</a:t>
+              <a:t>21</a:t>
             </a:fld>
             <a:endParaRPr lang="zh-TW" altLang="en-US"/>
           </a:p>
@@ -780,7 +782,7 @@
           <a:p>
             <a:fld id="{81634873-5063-498D-BCBE-2739A18B1CC7}" type="slidenum">
               <a:rPr lang="zh-TW" altLang="en-US" smtClean="0"/>
-              <a:t>20</a:t>
+              <a:t>22</a:t>
             </a:fld>
             <a:endParaRPr lang="zh-TW" altLang="en-US"/>
           </a:p>
@@ -888,7 +890,7 @@
           <a:p>
             <a:fld id="{81634873-5063-498D-BCBE-2739A18B1CC7}" type="slidenum">
               <a:rPr lang="zh-TW" altLang="en-US" smtClean="0"/>
-              <a:t>21</a:t>
+              <a:t>23</a:t>
             </a:fld>
             <a:endParaRPr lang="zh-TW" altLang="en-US"/>
           </a:p>
@@ -1080,7 +1082,7 @@
           <a:p>
             <a:fld id="{81634873-5063-498D-BCBE-2739A18B1CC7}" type="slidenum">
               <a:rPr lang="zh-TW" altLang="en-US" smtClean="0"/>
-              <a:t>10</a:t>
+              <a:t>12</a:t>
             </a:fld>
             <a:endParaRPr lang="zh-TW" altLang="en-US"/>
           </a:p>
@@ -1188,7 +1190,7 @@
           <a:p>
             <a:fld id="{81634873-5063-498D-BCBE-2739A18B1CC7}" type="slidenum">
               <a:rPr lang="zh-TW" altLang="en-US" smtClean="0"/>
-              <a:t>11</a:t>
+              <a:t>13</a:t>
             </a:fld>
             <a:endParaRPr lang="zh-TW" altLang="en-US"/>
           </a:p>
@@ -1296,7 +1298,7 @@
           <a:p>
             <a:fld id="{81634873-5063-498D-BCBE-2739A18B1CC7}" type="slidenum">
               <a:rPr lang="zh-TW" altLang="en-US" smtClean="0"/>
-              <a:t>13</a:t>
+              <a:t>15</a:t>
             </a:fld>
             <a:endParaRPr lang="zh-TW" altLang="en-US"/>
           </a:p>
@@ -1404,7 +1406,7 @@
           <a:p>
             <a:fld id="{81634873-5063-498D-BCBE-2739A18B1CC7}" type="slidenum">
               <a:rPr lang="zh-TW" altLang="en-US" smtClean="0"/>
-              <a:t>15</a:t>
+              <a:t>17</a:t>
             </a:fld>
             <a:endParaRPr lang="zh-TW" altLang="en-US"/>
           </a:p>
@@ -1512,7 +1514,7 @@
           <a:p>
             <a:fld id="{81634873-5063-498D-BCBE-2739A18B1CC7}" type="slidenum">
               <a:rPr lang="zh-TW" altLang="en-US" smtClean="0"/>
-              <a:t>16</a:t>
+              <a:t>18</a:t>
             </a:fld>
             <a:endParaRPr lang="zh-TW" altLang="en-US"/>
           </a:p>
@@ -1620,7 +1622,7 @@
           <a:p>
             <a:fld id="{81634873-5063-498D-BCBE-2739A18B1CC7}" type="slidenum">
               <a:rPr lang="zh-TW" altLang="en-US" smtClean="0"/>
-              <a:t>17</a:t>
+              <a:t>19</a:t>
             </a:fld>
             <a:endParaRPr lang="zh-TW" altLang="en-US"/>
           </a:p>
@@ -1728,7 +1730,7 @@
           <a:p>
             <a:fld id="{81634873-5063-498D-BCBE-2739A18B1CC7}" type="slidenum">
               <a:rPr lang="zh-TW" altLang="en-US" smtClean="0"/>
-              <a:t>18</a:t>
+              <a:t>20</a:t>
             </a:fld>
             <a:endParaRPr lang="zh-TW" altLang="en-US"/>
           </a:p>
@@ -2132,7 +2134,7 @@
             <a:fld id="{527CA299-82C8-4290-8115-6873732ACE52}" type="datetimeFigureOut">
               <a:rPr lang="zh-TW" altLang="en-US" smtClean="0"/>
               <a:pPr/>
-              <a:t>2024/10/28</a:t>
+              <a:t>2024/10/29</a:t>
             </a:fld>
             <a:endParaRPr lang="zh-TW" altLang="en-US"/>
           </a:p>
@@ -2299,7 +2301,7 @@
             <a:fld id="{527CA299-82C8-4290-8115-6873732ACE52}" type="datetimeFigureOut">
               <a:rPr lang="zh-TW" altLang="en-US" smtClean="0"/>
               <a:pPr/>
-              <a:t>2024/10/28</a:t>
+              <a:t>2024/10/29</a:t>
             </a:fld>
             <a:endParaRPr lang="zh-TW" altLang="en-US"/>
           </a:p>
@@ -2476,7 +2478,7 @@
             <a:fld id="{527CA299-82C8-4290-8115-6873732ACE52}" type="datetimeFigureOut">
               <a:rPr lang="zh-TW" altLang="en-US" smtClean="0"/>
               <a:pPr/>
-              <a:t>2024/10/28</a:t>
+              <a:t>2024/10/29</a:t>
             </a:fld>
             <a:endParaRPr lang="zh-TW" altLang="en-US"/>
           </a:p>
@@ -2647,7 +2649,7 @@
             <a:fld id="{527CA299-82C8-4290-8115-6873732ACE52}" type="datetimeFigureOut">
               <a:rPr lang="zh-TW" altLang="en-US" smtClean="0"/>
               <a:pPr/>
-              <a:t>2024/10/28</a:t>
+              <a:t>2024/10/29</a:t>
             </a:fld>
             <a:endParaRPr lang="zh-TW" altLang="en-US"/>
           </a:p>
@@ -3104,7 +3106,7 @@
             <a:fld id="{527CA299-82C8-4290-8115-6873732ACE52}" type="datetimeFigureOut">
               <a:rPr lang="zh-TW" altLang="en-US" smtClean="0"/>
               <a:pPr/>
-              <a:t>2024/10/28</a:t>
+              <a:t>2024/10/29</a:t>
             </a:fld>
             <a:endParaRPr lang="zh-TW" altLang="en-US"/>
           </a:p>
@@ -3370,7 +3372,7 @@
             <a:fld id="{527CA299-82C8-4290-8115-6873732ACE52}" type="datetimeFigureOut">
               <a:rPr lang="zh-TW" altLang="en-US" smtClean="0"/>
               <a:pPr/>
-              <a:t>2024/10/28</a:t>
+              <a:t>2024/10/29</a:t>
             </a:fld>
             <a:endParaRPr lang="zh-TW" altLang="en-US"/>
           </a:p>
@@ -3746,7 +3748,7 @@
             <a:fld id="{527CA299-82C8-4290-8115-6873732ACE52}" type="datetimeFigureOut">
               <a:rPr lang="zh-TW" altLang="en-US" smtClean="0"/>
               <a:pPr/>
-              <a:t>2024/10/28</a:t>
+              <a:t>2024/10/29</a:t>
             </a:fld>
             <a:endParaRPr lang="zh-TW" altLang="en-US"/>
           </a:p>
@@ -3870,7 +3872,7 @@
             <a:fld id="{527CA299-82C8-4290-8115-6873732ACE52}" type="datetimeFigureOut">
               <a:rPr lang="zh-TW" altLang="en-US" smtClean="0"/>
               <a:pPr/>
-              <a:t>2024/10/28</a:t>
+              <a:t>2024/10/29</a:t>
             </a:fld>
             <a:endParaRPr lang="zh-TW" altLang="en-US"/>
           </a:p>
@@ -3962,7 +3964,7 @@
             <a:fld id="{527CA299-82C8-4290-8115-6873732ACE52}" type="datetimeFigureOut">
               <a:rPr lang="zh-TW" altLang="en-US" smtClean="0"/>
               <a:pPr/>
-              <a:t>2024/10/28</a:t>
+              <a:t>2024/10/29</a:t>
             </a:fld>
             <a:endParaRPr lang="zh-TW" altLang="en-US"/>
           </a:p>
@@ -4213,7 +4215,7 @@
             <a:fld id="{527CA299-82C8-4290-8115-6873732ACE52}" type="datetimeFigureOut">
               <a:rPr lang="zh-TW" altLang="en-US" smtClean="0"/>
               <a:pPr/>
-              <a:t>2024/10/28</a:t>
+              <a:t>2024/10/29</a:t>
             </a:fld>
             <a:endParaRPr lang="zh-TW" altLang="en-US"/>
           </a:p>
@@ -4474,7 +4476,7 @@
             <a:fld id="{527CA299-82C8-4290-8115-6873732ACE52}" type="datetimeFigureOut">
               <a:rPr lang="zh-TW" altLang="en-US" smtClean="0"/>
               <a:pPr/>
-              <a:t>2024/10/28</a:t>
+              <a:t>2024/10/29</a:t>
             </a:fld>
             <a:endParaRPr lang="zh-TW" altLang="en-US"/>
           </a:p>
@@ -4880,7 +4882,7 @@
             <a:fld id="{527CA299-82C8-4290-8115-6873732ACE52}" type="datetimeFigureOut">
               <a:rPr lang="zh-TW" altLang="en-US" smtClean="0"/>
               <a:pPr/>
-              <a:t>2024/10/28</a:t>
+              <a:t>2024/10/29</a:t>
             </a:fld>
             <a:endParaRPr lang="zh-TW" altLang="en-US"/>
           </a:p>
@@ -5377,6 +5379,252 @@
         <p:cNvPr id="1" name="">
           <a:extLst>
             <a:ext uri="{FF2B5EF4-FFF2-40B4-BE49-F238E27FC236}">
+              <a16:creationId xmlns:a16="http://schemas.microsoft.com/office/drawing/2014/main" id="{95F1557D-DBEE-8CA7-789B-DF2DE09441A6}"/>
+            </a:ext>
+          </a:extLst>
+        </p:cNvPr>
+        <p:cNvGrpSpPr/>
+        <p:nvPr/>
+      </p:nvGrpSpPr>
+      <p:grpSpPr>
+        <a:xfrm>
+          <a:off x="0" y="0"/>
+          <a:ext cx="0" cy="0"/>
+          <a:chOff x="0" y="0"/>
+          <a:chExt cx="0" cy="0"/>
+        </a:xfrm>
+      </p:grpSpPr>
+      <p:sp>
+        <p:nvSpPr>
+          <p:cNvPr id="2" name="標題 1">
+            <a:extLst>
+              <a:ext uri="{FF2B5EF4-FFF2-40B4-BE49-F238E27FC236}">
+                <a16:creationId xmlns:a16="http://schemas.microsoft.com/office/drawing/2014/main" id="{DD479779-2A9B-8282-B597-627A2006E758}"/>
+              </a:ext>
+            </a:extLst>
+          </p:cNvPr>
+          <p:cNvSpPr>
+            <a:spLocks noGrp="1"/>
+          </p:cNvSpPr>
+          <p:nvPr>
+            <p:ph type="title"/>
+          </p:nvPr>
+        </p:nvSpPr>
+        <p:spPr>
+          <a:xfrm>
+            <a:off x="457200" y="274638"/>
+            <a:ext cx="8229600" cy="725470"/>
+          </a:xfrm>
+        </p:spPr>
+        <p:txBody>
+          <a:bodyPr>
+            <a:noAutofit/>
+          </a:bodyPr>
+          <a:lstStyle/>
+          <a:p>
+            <a:r>
+              <a:rPr lang="fr-FR" altLang="zh-TW" sz="4000" dirty="0"/>
+              <a:t>TLM Imp Port Declaration Macros (1)</a:t>
+            </a:r>
+            <a:endParaRPr lang="zh-TW" altLang="en-US" sz="4000" dirty="0"/>
+          </a:p>
+        </p:txBody>
+      </p:sp>
+      <p:pic>
+        <p:nvPicPr>
+          <p:cNvPr id="17" name="圖片 16">
+            <a:extLst>
+              <a:ext uri="{FF2B5EF4-FFF2-40B4-BE49-F238E27FC236}">
+                <a16:creationId xmlns:a16="http://schemas.microsoft.com/office/drawing/2014/main" id="{4A2EE1D5-2773-E487-598F-824929E76CB9}"/>
+              </a:ext>
+            </a:extLst>
+          </p:cNvPr>
+          <p:cNvPicPr>
+            <a:picLocks noChangeAspect="1"/>
+          </p:cNvPicPr>
+          <p:nvPr/>
+        </p:nvPicPr>
+        <p:blipFill>
+          <a:blip r:embed="rId2"/>
+          <a:stretch>
+            <a:fillRect/>
+          </a:stretch>
+        </p:blipFill>
+        <p:spPr>
+          <a:xfrm>
+            <a:off x="457200" y="1196752"/>
+            <a:ext cx="6666667" cy="3409524"/>
+          </a:xfrm>
+          <a:prstGeom prst="rect">
+            <a:avLst/>
+          </a:prstGeom>
+        </p:spPr>
+      </p:pic>
+      <p:pic>
+        <p:nvPicPr>
+          <p:cNvPr id="20" name="圖片 19">
+            <a:extLst>
+              <a:ext uri="{FF2B5EF4-FFF2-40B4-BE49-F238E27FC236}">
+                <a16:creationId xmlns:a16="http://schemas.microsoft.com/office/drawing/2014/main" id="{373A94B4-250A-9553-4743-2BFD8E6A2A1A}"/>
+              </a:ext>
+            </a:extLst>
+          </p:cNvPr>
+          <p:cNvPicPr>
+            <a:picLocks noChangeAspect="1"/>
+          </p:cNvPicPr>
+          <p:nvPr/>
+        </p:nvPicPr>
+        <p:blipFill>
+          <a:blip r:embed="rId3">
+            <a:extLst>
+              <a:ext uri="{BEBA8EAE-BF5A-486C-A8C5-ECC9F3942E4B}">
+                <a14:imgProps xmlns:a14="http://schemas.microsoft.com/office/drawing/2010/main">
+                  <a14:imgLayer r:embed="rId4">
+                    <a14:imgEffect>
+                      <a14:brightnessContrast bright="-20000"/>
+                    </a14:imgEffect>
+                  </a14:imgLayer>
+                </a14:imgProps>
+              </a:ext>
+            </a:extLst>
+          </a:blip>
+          <a:stretch>
+            <a:fillRect/>
+          </a:stretch>
+        </p:blipFill>
+        <p:spPr>
+          <a:xfrm>
+            <a:off x="5553467" y="1844824"/>
+            <a:ext cx="3133333" cy="4657143"/>
+          </a:xfrm>
+          <a:prstGeom prst="rect">
+            <a:avLst/>
+          </a:prstGeom>
+        </p:spPr>
+      </p:pic>
+    </p:spTree>
+    <p:extLst>
+      <p:ext uri="{BB962C8B-B14F-4D97-AF65-F5344CB8AC3E}">
+        <p14:creationId xmlns:p14="http://schemas.microsoft.com/office/powerpoint/2010/main" val="3435946788"/>
+      </p:ext>
+    </p:extLst>
+  </p:cSld>
+  <p:clrMapOvr>
+    <a:masterClrMapping/>
+  </p:clrMapOvr>
+</p:sld>
+</file>
+
+<file path=ppt/slides/slide11.xml><?xml version="1.0" encoding="utf-8"?>
+<p:sld xmlns:a="http://schemas.openxmlformats.org/drawingml/2006/main" xmlns:r="http://schemas.openxmlformats.org/officeDocument/2006/relationships" xmlns:p="http://schemas.openxmlformats.org/presentationml/2006/main">
+  <p:cSld>
+    <p:spTree>
+      <p:nvGrpSpPr>
+        <p:cNvPr id="1" name="">
+          <a:extLst>
+            <a:ext uri="{FF2B5EF4-FFF2-40B4-BE49-F238E27FC236}">
+              <a16:creationId xmlns:a16="http://schemas.microsoft.com/office/drawing/2014/main" id="{652B46C9-FE2C-7DD8-A15E-B9BA69A5D518}"/>
+            </a:ext>
+          </a:extLst>
+        </p:cNvPr>
+        <p:cNvGrpSpPr/>
+        <p:nvPr/>
+      </p:nvGrpSpPr>
+      <p:grpSpPr>
+        <a:xfrm>
+          <a:off x="0" y="0"/>
+          <a:ext cx="0" cy="0"/>
+          <a:chOff x="0" y="0"/>
+          <a:chExt cx="0" cy="0"/>
+        </a:xfrm>
+      </p:grpSpPr>
+      <p:sp>
+        <p:nvSpPr>
+          <p:cNvPr id="2" name="標題 1">
+            <a:extLst>
+              <a:ext uri="{FF2B5EF4-FFF2-40B4-BE49-F238E27FC236}">
+                <a16:creationId xmlns:a16="http://schemas.microsoft.com/office/drawing/2014/main" id="{52593754-F8C5-C170-29B2-DD5E262E6B4D}"/>
+              </a:ext>
+            </a:extLst>
+          </p:cNvPr>
+          <p:cNvSpPr>
+            <a:spLocks noGrp="1"/>
+          </p:cNvSpPr>
+          <p:nvPr>
+            <p:ph type="title"/>
+          </p:nvPr>
+        </p:nvSpPr>
+        <p:spPr>
+          <a:xfrm>
+            <a:off x="457200" y="274638"/>
+            <a:ext cx="8229600" cy="725470"/>
+          </a:xfrm>
+        </p:spPr>
+        <p:txBody>
+          <a:bodyPr>
+            <a:noAutofit/>
+          </a:bodyPr>
+          <a:lstStyle/>
+          <a:p>
+            <a:r>
+              <a:rPr lang="fr-FR" altLang="zh-TW" sz="4000" dirty="0"/>
+              <a:t>TLM Imp Port Declaration Macros (2)</a:t>
+            </a:r>
+            <a:endParaRPr lang="zh-TW" altLang="en-US" sz="4000" dirty="0"/>
+          </a:p>
+        </p:txBody>
+      </p:sp>
+      <p:pic>
+        <p:nvPicPr>
+          <p:cNvPr id="7" name="圖片 6">
+            <a:extLst>
+              <a:ext uri="{FF2B5EF4-FFF2-40B4-BE49-F238E27FC236}">
+                <a16:creationId xmlns:a16="http://schemas.microsoft.com/office/drawing/2014/main" id="{014EFDA1-F5E7-1E92-EFE7-A8187FF7ADC3}"/>
+              </a:ext>
+            </a:extLst>
+          </p:cNvPr>
+          <p:cNvPicPr>
+            <a:picLocks noChangeAspect="1"/>
+          </p:cNvPicPr>
+          <p:nvPr/>
+        </p:nvPicPr>
+        <p:blipFill>
+          <a:blip r:embed="rId2"/>
+          <a:stretch>
+            <a:fillRect/>
+          </a:stretch>
+        </p:blipFill>
+        <p:spPr>
+          <a:xfrm>
+            <a:off x="1786286" y="1340768"/>
+            <a:ext cx="5571429" cy="4952381"/>
+          </a:xfrm>
+          <a:prstGeom prst="rect">
+            <a:avLst/>
+          </a:prstGeom>
+        </p:spPr>
+      </p:pic>
+    </p:spTree>
+    <p:extLst>
+      <p:ext uri="{BB962C8B-B14F-4D97-AF65-F5344CB8AC3E}">
+        <p14:creationId xmlns:p14="http://schemas.microsoft.com/office/powerpoint/2010/main" val="2444572438"/>
+      </p:ext>
+    </p:extLst>
+  </p:cSld>
+  <p:clrMapOvr>
+    <a:masterClrMapping/>
+  </p:clrMapOvr>
+</p:sld>
+</file>
+
+<file path=ppt/slides/slide12.xml><?xml version="1.0" encoding="utf-8"?>
+<p:sld xmlns:a="http://schemas.openxmlformats.org/drawingml/2006/main" xmlns:r="http://schemas.openxmlformats.org/officeDocument/2006/relationships" xmlns:p="http://schemas.openxmlformats.org/presentationml/2006/main">
+  <p:cSld>
+    <p:spTree>
+      <p:nvGrpSpPr>
+        <p:cNvPr id="1" name="">
+          <a:extLst>
+            <a:ext uri="{FF2B5EF4-FFF2-40B4-BE49-F238E27FC236}">
               <a16:creationId xmlns:a16="http://schemas.microsoft.com/office/drawing/2014/main" id="{8C9728B9-07D0-411C-8580-8263B34B0039}"/>
             </a:ext>
           </a:extLst>
@@ -5668,7 +5916,7 @@
 </p:sld>
 </file>
 
-<file path=ppt/slides/slide11.xml><?xml version="1.0" encoding="utf-8"?>
+<file path=ppt/slides/slide13.xml><?xml version="1.0" encoding="utf-8"?>
 <p:sld xmlns:a="http://schemas.openxmlformats.org/drawingml/2006/main" xmlns:r="http://schemas.openxmlformats.org/officeDocument/2006/relationships" xmlns:p="http://schemas.openxmlformats.org/presentationml/2006/main">
   <p:cSld>
     <p:spTree>
@@ -6348,7 +6596,7 @@
 </p:sld>
 </file>
 
-<file path=ppt/slides/slide12.xml><?xml version="1.0" encoding="utf-8"?>
+<file path=ppt/slides/slide14.xml><?xml version="1.0" encoding="utf-8"?>
 <p:sld xmlns:a="http://schemas.openxmlformats.org/drawingml/2006/main" xmlns:r="http://schemas.openxmlformats.org/officeDocument/2006/relationships" xmlns:p="http://schemas.openxmlformats.org/presentationml/2006/main">
   <p:cSld>
     <p:spTree>
@@ -6420,7 +6668,7 @@
 </p:sld>
 </file>
 
-<file path=ppt/slides/slide13.xml><?xml version="1.0" encoding="utf-8"?>
+<file path=ppt/slides/slide15.xml><?xml version="1.0" encoding="utf-8"?>
 <p:sld xmlns:a="http://schemas.openxmlformats.org/drawingml/2006/main" xmlns:r="http://schemas.openxmlformats.org/officeDocument/2006/relationships" xmlns:p="http://schemas.openxmlformats.org/presentationml/2006/main">
   <p:cSld>
     <p:spTree>
@@ -6684,7 +6932,7 @@
 </p:sld>
 </file>
 
-<file path=ppt/slides/slide14.xml><?xml version="1.0" encoding="utf-8"?>
+<file path=ppt/slides/slide16.xml><?xml version="1.0" encoding="utf-8"?>
 <p:sld xmlns:a="http://schemas.openxmlformats.org/drawingml/2006/main" xmlns:r="http://schemas.openxmlformats.org/officeDocument/2006/relationships" xmlns:p="http://schemas.openxmlformats.org/presentationml/2006/main">
   <p:cSld>
     <p:spTree>
@@ -6796,7 +7044,7 @@
 </p:sld>
 </file>
 
-<file path=ppt/slides/slide15.xml><?xml version="1.0" encoding="utf-8"?>
+<file path=ppt/slides/slide17.xml><?xml version="1.0" encoding="utf-8"?>
 <p:sld xmlns:a="http://schemas.openxmlformats.org/drawingml/2006/main" xmlns:r="http://schemas.openxmlformats.org/officeDocument/2006/relationships" xmlns:p="http://schemas.openxmlformats.org/presentationml/2006/main">
   <p:cSld>
     <p:spTree>
@@ -7089,7 +7337,7 @@
 </p:sld>
 </file>
 
-<file path=ppt/slides/slide16.xml><?xml version="1.0" encoding="utf-8"?>
+<file path=ppt/slides/slide18.xml><?xml version="1.0" encoding="utf-8"?>
 <p:sld xmlns:a="http://schemas.openxmlformats.org/drawingml/2006/main" xmlns:r="http://schemas.openxmlformats.org/officeDocument/2006/relationships" xmlns:p="http://schemas.openxmlformats.org/presentationml/2006/main">
   <p:cSld>
     <p:spTree>
@@ -8452,7 +8700,7 @@
 </p:sld>
 </file>
 
-<file path=ppt/slides/slide17.xml><?xml version="1.0" encoding="utf-8"?>
+<file path=ppt/slides/slide19.xml><?xml version="1.0" encoding="utf-8"?>
 <p:sld xmlns:a="http://schemas.openxmlformats.org/drawingml/2006/main" xmlns:r="http://schemas.openxmlformats.org/officeDocument/2006/relationships" xmlns:p="http://schemas.openxmlformats.org/presentationml/2006/main">
   <p:cSld>
     <p:spTree>
@@ -9816,7 +10064,115 @@
 </p:sld>
 </file>
 
-<file path=ppt/slides/slide18.xml><?xml version="1.0" encoding="utf-8"?>
+<file path=ppt/slides/slide2.xml><?xml version="1.0" encoding="utf-8"?>
+<p:sld xmlns:a="http://schemas.openxmlformats.org/drawingml/2006/main" xmlns:r="http://schemas.openxmlformats.org/officeDocument/2006/relationships" xmlns:p="http://schemas.openxmlformats.org/presentationml/2006/main" show="0">
+  <p:cSld>
+    <p:spTree>
+      <p:nvGrpSpPr>
+        <p:cNvPr id="1" name="">
+          <a:extLst>
+            <a:ext uri="{FF2B5EF4-FFF2-40B4-BE49-F238E27FC236}">
+              <a16:creationId xmlns:a16="http://schemas.microsoft.com/office/drawing/2014/main" id="{848049CC-3488-BE88-B418-4D10FE2A3A07}"/>
+            </a:ext>
+          </a:extLst>
+        </p:cNvPr>
+        <p:cNvGrpSpPr/>
+        <p:nvPr/>
+      </p:nvGrpSpPr>
+      <p:grpSpPr>
+        <a:xfrm>
+          <a:off x="0" y="0"/>
+          <a:ext cx="0" cy="0"/>
+          <a:chOff x="0" y="0"/>
+          <a:chExt cx="0" cy="0"/>
+        </a:xfrm>
+      </p:grpSpPr>
+      <p:sp>
+        <p:nvSpPr>
+          <p:cNvPr id="2" name="標題 1">
+            <a:extLst>
+              <a:ext uri="{FF2B5EF4-FFF2-40B4-BE49-F238E27FC236}">
+                <a16:creationId xmlns:a16="http://schemas.microsoft.com/office/drawing/2014/main" id="{5D91AB6B-416F-8B0D-C870-5C0C5CDE5ADA}"/>
+              </a:ext>
+            </a:extLst>
+          </p:cNvPr>
+          <p:cNvSpPr>
+            <a:spLocks noGrp="1"/>
+          </p:cNvSpPr>
+          <p:nvPr>
+            <p:ph type="title"/>
+          </p:nvPr>
+        </p:nvSpPr>
+        <p:spPr>
+          <a:xfrm>
+            <a:off x="457200" y="274638"/>
+            <a:ext cx="8229600" cy="725470"/>
+          </a:xfrm>
+        </p:spPr>
+        <p:txBody>
+          <a:bodyPr>
+            <a:noAutofit/>
+          </a:bodyPr>
+          <a:lstStyle/>
+          <a:p>
+            <a:r>
+              <a:rPr lang="en-US" altLang="zh-TW" sz="4000" dirty="0"/>
+              <a:t>UVM Testbench Architecture</a:t>
+            </a:r>
+            <a:endParaRPr lang="zh-TW" altLang="en-US" sz="4000" dirty="0"/>
+          </a:p>
+        </p:txBody>
+      </p:sp>
+      <p:pic>
+        <p:nvPicPr>
+          <p:cNvPr id="16" name="圖片 15">
+            <a:extLst>
+              <a:ext uri="{FF2B5EF4-FFF2-40B4-BE49-F238E27FC236}">
+                <a16:creationId xmlns:a16="http://schemas.microsoft.com/office/drawing/2014/main" id="{47BB3FD5-296B-8D7F-2C15-5C1F47188AB2}"/>
+              </a:ext>
+            </a:extLst>
+          </p:cNvPr>
+          <p:cNvPicPr>
+            <a:picLocks noChangeAspect="1"/>
+          </p:cNvPicPr>
+          <p:nvPr/>
+        </p:nvPicPr>
+        <p:blipFill>
+          <a:blip r:embed="rId3">
+            <a:extLst>
+              <a:ext uri="{28A0092B-C50C-407E-A947-70E740481C1C}">
+                <a14:useLocalDpi xmlns:a14="http://schemas.microsoft.com/office/drawing/2010/main" val="0"/>
+              </a:ext>
+            </a:extLst>
+          </a:blip>
+          <a:stretch>
+            <a:fillRect/>
+          </a:stretch>
+        </p:blipFill>
+        <p:spPr>
+          <a:xfrm>
+            <a:off x="0" y="1268760"/>
+            <a:ext cx="9144000" cy="4991100"/>
+          </a:xfrm>
+          <a:prstGeom prst="rect">
+            <a:avLst/>
+          </a:prstGeom>
+        </p:spPr>
+      </p:pic>
+    </p:spTree>
+    <p:extLst>
+      <p:ext uri="{BB962C8B-B14F-4D97-AF65-F5344CB8AC3E}">
+        <p14:creationId xmlns:p14="http://schemas.microsoft.com/office/powerpoint/2010/main" val="959957554"/>
+      </p:ext>
+    </p:extLst>
+  </p:cSld>
+  <p:clrMapOvr>
+    <a:masterClrMapping/>
+  </p:clrMapOvr>
+</p:sld>
+</file>
+
+<file path=ppt/slides/slide20.xml><?xml version="1.0" encoding="utf-8"?>
 <p:sld xmlns:a="http://schemas.openxmlformats.org/drawingml/2006/main" xmlns:r="http://schemas.openxmlformats.org/officeDocument/2006/relationships" xmlns:p="http://schemas.openxmlformats.org/presentationml/2006/main">
   <p:cSld>
     <p:spTree>
@@ -11180,7 +11536,7 @@
 </p:sld>
 </file>
 
-<file path=ppt/slides/slide19.xml><?xml version="1.0" encoding="utf-8"?>
+<file path=ppt/slides/slide21.xml><?xml version="1.0" encoding="utf-8"?>
 <p:sld xmlns:a="http://schemas.openxmlformats.org/drawingml/2006/main" xmlns:r="http://schemas.openxmlformats.org/officeDocument/2006/relationships" xmlns:p="http://schemas.openxmlformats.org/presentationml/2006/main">
   <p:cSld>
     <p:spTree>
@@ -12019,115 +12375,7 @@
 </p:sld>
 </file>
 
-<file path=ppt/slides/slide2.xml><?xml version="1.0" encoding="utf-8"?>
-<p:sld xmlns:a="http://schemas.openxmlformats.org/drawingml/2006/main" xmlns:r="http://schemas.openxmlformats.org/officeDocument/2006/relationships" xmlns:p="http://schemas.openxmlformats.org/presentationml/2006/main" show="0">
-  <p:cSld>
-    <p:spTree>
-      <p:nvGrpSpPr>
-        <p:cNvPr id="1" name="">
-          <a:extLst>
-            <a:ext uri="{FF2B5EF4-FFF2-40B4-BE49-F238E27FC236}">
-              <a16:creationId xmlns:a16="http://schemas.microsoft.com/office/drawing/2014/main" id="{848049CC-3488-BE88-B418-4D10FE2A3A07}"/>
-            </a:ext>
-          </a:extLst>
-        </p:cNvPr>
-        <p:cNvGrpSpPr/>
-        <p:nvPr/>
-      </p:nvGrpSpPr>
-      <p:grpSpPr>
-        <a:xfrm>
-          <a:off x="0" y="0"/>
-          <a:ext cx="0" cy="0"/>
-          <a:chOff x="0" y="0"/>
-          <a:chExt cx="0" cy="0"/>
-        </a:xfrm>
-      </p:grpSpPr>
-      <p:sp>
-        <p:nvSpPr>
-          <p:cNvPr id="2" name="標題 1">
-            <a:extLst>
-              <a:ext uri="{FF2B5EF4-FFF2-40B4-BE49-F238E27FC236}">
-                <a16:creationId xmlns:a16="http://schemas.microsoft.com/office/drawing/2014/main" id="{5D91AB6B-416F-8B0D-C870-5C0C5CDE5ADA}"/>
-              </a:ext>
-            </a:extLst>
-          </p:cNvPr>
-          <p:cNvSpPr>
-            <a:spLocks noGrp="1"/>
-          </p:cNvSpPr>
-          <p:nvPr>
-            <p:ph type="title"/>
-          </p:nvPr>
-        </p:nvSpPr>
-        <p:spPr>
-          <a:xfrm>
-            <a:off x="457200" y="274638"/>
-            <a:ext cx="8229600" cy="725470"/>
-          </a:xfrm>
-        </p:spPr>
-        <p:txBody>
-          <a:bodyPr>
-            <a:noAutofit/>
-          </a:bodyPr>
-          <a:lstStyle/>
-          <a:p>
-            <a:r>
-              <a:rPr lang="en-US" altLang="zh-TW" sz="4000" dirty="0"/>
-              <a:t>UVM Testbench Architecture</a:t>
-            </a:r>
-            <a:endParaRPr lang="zh-TW" altLang="en-US" sz="4000" dirty="0"/>
-          </a:p>
-        </p:txBody>
-      </p:sp>
-      <p:pic>
-        <p:nvPicPr>
-          <p:cNvPr id="16" name="圖片 15">
-            <a:extLst>
-              <a:ext uri="{FF2B5EF4-FFF2-40B4-BE49-F238E27FC236}">
-                <a16:creationId xmlns:a16="http://schemas.microsoft.com/office/drawing/2014/main" id="{47BB3FD5-296B-8D7F-2C15-5C1F47188AB2}"/>
-              </a:ext>
-            </a:extLst>
-          </p:cNvPr>
-          <p:cNvPicPr>
-            <a:picLocks noChangeAspect="1"/>
-          </p:cNvPicPr>
-          <p:nvPr/>
-        </p:nvPicPr>
-        <p:blipFill>
-          <a:blip r:embed="rId3">
-            <a:extLst>
-              <a:ext uri="{28A0092B-C50C-407E-A947-70E740481C1C}">
-                <a14:useLocalDpi xmlns:a14="http://schemas.microsoft.com/office/drawing/2010/main" val="0"/>
-              </a:ext>
-            </a:extLst>
-          </a:blip>
-          <a:stretch>
-            <a:fillRect/>
-          </a:stretch>
-        </p:blipFill>
-        <p:spPr>
-          <a:xfrm>
-            <a:off x="0" y="1268760"/>
-            <a:ext cx="9144000" cy="4991100"/>
-          </a:xfrm>
-          <a:prstGeom prst="rect">
-            <a:avLst/>
-          </a:prstGeom>
-        </p:spPr>
-      </p:pic>
-    </p:spTree>
-    <p:extLst>
-      <p:ext uri="{BB962C8B-B14F-4D97-AF65-F5344CB8AC3E}">
-        <p14:creationId xmlns:p14="http://schemas.microsoft.com/office/powerpoint/2010/main" val="959957554"/>
-      </p:ext>
-    </p:extLst>
-  </p:cSld>
-  <p:clrMapOvr>
-    <a:masterClrMapping/>
-  </p:clrMapOvr>
-</p:sld>
-</file>
-
-<file path=ppt/slides/slide20.xml><?xml version="1.0" encoding="utf-8"?>
+<file path=ppt/slides/slide22.xml><?xml version="1.0" encoding="utf-8"?>
 <p:sld xmlns:a="http://schemas.openxmlformats.org/drawingml/2006/main" xmlns:r="http://schemas.openxmlformats.org/officeDocument/2006/relationships" xmlns:p="http://schemas.openxmlformats.org/presentationml/2006/main">
   <p:cSld>
     <p:spTree>
@@ -13288,7 +13536,7 @@
 </p:sld>
 </file>
 
-<file path=ppt/slides/slide21.xml><?xml version="1.0" encoding="utf-8"?>
+<file path=ppt/slides/slide23.xml><?xml version="1.0" encoding="utf-8"?>
 <p:sld xmlns:a="http://schemas.openxmlformats.org/drawingml/2006/main" xmlns:r="http://schemas.openxmlformats.org/officeDocument/2006/relationships" xmlns:p="http://schemas.openxmlformats.org/presentationml/2006/main">
   <p:cSld>
     <p:spTree>

--- a/UVM TLM Introduction.pptx
+++ b/UVM TLM Introduction.pptx
@@ -230,7 +230,7 @@
           <a:p>
             <a:fld id="{88F6225B-796D-41D8-9C9A-35855C549521}" type="datetimeFigureOut">
               <a:rPr lang="zh-TW" altLang="en-US" smtClean="0"/>
-              <a:t>2024/10/29</a:t>
+              <a:t>2024/11/3</a:t>
             </a:fld>
             <a:endParaRPr lang="zh-TW" altLang="en-US"/>
           </a:p>
@@ -2134,7 +2134,7 @@
             <a:fld id="{527CA299-82C8-4290-8115-6873732ACE52}" type="datetimeFigureOut">
               <a:rPr lang="zh-TW" altLang="en-US" smtClean="0"/>
               <a:pPr/>
-              <a:t>2024/10/29</a:t>
+              <a:t>2024/11/3</a:t>
             </a:fld>
             <a:endParaRPr lang="zh-TW" altLang="en-US"/>
           </a:p>
@@ -2301,7 +2301,7 @@
             <a:fld id="{527CA299-82C8-4290-8115-6873732ACE52}" type="datetimeFigureOut">
               <a:rPr lang="zh-TW" altLang="en-US" smtClean="0"/>
               <a:pPr/>
-              <a:t>2024/10/29</a:t>
+              <a:t>2024/11/3</a:t>
             </a:fld>
             <a:endParaRPr lang="zh-TW" altLang="en-US"/>
           </a:p>
@@ -2478,7 +2478,7 @@
             <a:fld id="{527CA299-82C8-4290-8115-6873732ACE52}" type="datetimeFigureOut">
               <a:rPr lang="zh-TW" altLang="en-US" smtClean="0"/>
               <a:pPr/>
-              <a:t>2024/10/29</a:t>
+              <a:t>2024/11/3</a:t>
             </a:fld>
             <a:endParaRPr lang="zh-TW" altLang="en-US"/>
           </a:p>
@@ -2649,7 +2649,7 @@
             <a:fld id="{527CA299-82C8-4290-8115-6873732ACE52}" type="datetimeFigureOut">
               <a:rPr lang="zh-TW" altLang="en-US" smtClean="0"/>
               <a:pPr/>
-              <a:t>2024/10/29</a:t>
+              <a:t>2024/11/3</a:t>
             </a:fld>
             <a:endParaRPr lang="zh-TW" altLang="en-US"/>
           </a:p>
@@ -3106,7 +3106,7 @@
             <a:fld id="{527CA299-82C8-4290-8115-6873732ACE52}" type="datetimeFigureOut">
               <a:rPr lang="zh-TW" altLang="en-US" smtClean="0"/>
               <a:pPr/>
-              <a:t>2024/10/29</a:t>
+              <a:t>2024/11/3</a:t>
             </a:fld>
             <a:endParaRPr lang="zh-TW" altLang="en-US"/>
           </a:p>
@@ -3372,7 +3372,7 @@
             <a:fld id="{527CA299-82C8-4290-8115-6873732ACE52}" type="datetimeFigureOut">
               <a:rPr lang="zh-TW" altLang="en-US" smtClean="0"/>
               <a:pPr/>
-              <a:t>2024/10/29</a:t>
+              <a:t>2024/11/3</a:t>
             </a:fld>
             <a:endParaRPr lang="zh-TW" altLang="en-US"/>
           </a:p>
@@ -3748,7 +3748,7 @@
             <a:fld id="{527CA299-82C8-4290-8115-6873732ACE52}" type="datetimeFigureOut">
               <a:rPr lang="zh-TW" altLang="en-US" smtClean="0"/>
               <a:pPr/>
-              <a:t>2024/10/29</a:t>
+              <a:t>2024/11/3</a:t>
             </a:fld>
             <a:endParaRPr lang="zh-TW" altLang="en-US"/>
           </a:p>
@@ -3872,7 +3872,7 @@
             <a:fld id="{527CA299-82C8-4290-8115-6873732ACE52}" type="datetimeFigureOut">
               <a:rPr lang="zh-TW" altLang="en-US" smtClean="0"/>
               <a:pPr/>
-              <a:t>2024/10/29</a:t>
+              <a:t>2024/11/3</a:t>
             </a:fld>
             <a:endParaRPr lang="zh-TW" altLang="en-US"/>
           </a:p>
@@ -3964,7 +3964,7 @@
             <a:fld id="{527CA299-82C8-4290-8115-6873732ACE52}" type="datetimeFigureOut">
               <a:rPr lang="zh-TW" altLang="en-US" smtClean="0"/>
               <a:pPr/>
-              <a:t>2024/10/29</a:t>
+              <a:t>2024/11/3</a:t>
             </a:fld>
             <a:endParaRPr lang="zh-TW" altLang="en-US"/>
           </a:p>
@@ -4215,7 +4215,7 @@
             <a:fld id="{527CA299-82C8-4290-8115-6873732ACE52}" type="datetimeFigureOut">
               <a:rPr lang="zh-TW" altLang="en-US" smtClean="0"/>
               <a:pPr/>
-              <a:t>2024/10/29</a:t>
+              <a:t>2024/11/3</a:t>
             </a:fld>
             <a:endParaRPr lang="zh-TW" altLang="en-US"/>
           </a:p>
@@ -4476,7 +4476,7 @@
             <a:fld id="{527CA299-82C8-4290-8115-6873732ACE52}" type="datetimeFigureOut">
               <a:rPr lang="zh-TW" altLang="en-US" smtClean="0"/>
               <a:pPr/>
-              <a:t>2024/10/29</a:t>
+              <a:t>2024/11/3</a:t>
             </a:fld>
             <a:endParaRPr lang="zh-TW" altLang="en-US"/>
           </a:p>
@@ -4882,7 +4882,7 @@
             <a:fld id="{527CA299-82C8-4290-8115-6873732ACE52}" type="datetimeFigureOut">
               <a:rPr lang="zh-TW" altLang="en-US" smtClean="0"/>
               <a:pPr/>
-              <a:t>2024/10/29</a:t>
+              <a:t>2024/11/3</a:t>
             </a:fld>
             <a:endParaRPr lang="zh-TW" altLang="en-US"/>
           </a:p>
@@ -10145,14 +10145,13 @@
               </a:ext>
             </a:extLst>
           </a:blip>
-          <a:stretch>
-            <a:fillRect/>
-          </a:stretch>
+          <a:srcRect/>
+          <a:stretch/>
         </p:blipFill>
         <p:spPr>
           <a:xfrm>
             <a:off x="0" y="1268760"/>
-            <a:ext cx="9144000" cy="4991100"/>
+            <a:ext cx="9144000" cy="4991099"/>
           </a:xfrm>
           <a:prstGeom prst="rect">
             <a:avLst/>
